--- a/Proposal/SIgnature Work.pptx
+++ b/Proposal/SIgnature Work.pptx
@@ -5,7 +5,7 @@
     <p:sldMasterId id="2147483648" r:id="rId1"/>
   </p:sldMasterIdLst>
   <p:notesMasterIdLst>
-    <p:notesMasterId r:id="rId9"/>
+    <p:notesMasterId r:id="rId10"/>
   </p:notesMasterIdLst>
   <p:sldIdLst>
     <p:sldId id="256" r:id="rId2"/>
@@ -15,6 +15,7 @@
     <p:sldId id="261" r:id="rId6"/>
     <p:sldId id="262" r:id="rId7"/>
     <p:sldId id="263" r:id="rId8"/>
+    <p:sldId id="264" r:id="rId9"/>
   </p:sldIdLst>
   <p:sldSz cx="12192000" cy="6858000"/>
   <p:notesSz cx="6858000" cy="9144000"/>
@@ -20574,7 +20575,7 @@
           <a:p>
             <a:fld id="{0AC6A664-A9B9-4A29-8CC5-B6ED7532CFC5}" type="datetimeFigureOut">
               <a:rPr lang="zh-CN" altLang="en-US" smtClean="0"/>
-              <a:t>2022/11/23</a:t>
+              <a:t>2024/3/7</a:t>
             </a:fld>
             <a:endParaRPr lang="zh-CN" altLang="en-US"/>
           </a:p>
@@ -21408,7 +21409,7 @@
           <a:p>
             <a:fld id="{E04A3270-C2B4-49EF-999C-6AE0D2734B13}" type="datetimeFigureOut">
               <a:rPr lang="zh-CN" altLang="en-US" smtClean="0"/>
-              <a:t>2022/11/23</a:t>
+              <a:t>2024/3/7</a:t>
             </a:fld>
             <a:endParaRPr lang="zh-CN" altLang="en-US"/>
           </a:p>
@@ -21606,7 +21607,7 @@
           <a:p>
             <a:fld id="{E04A3270-C2B4-49EF-999C-6AE0D2734B13}" type="datetimeFigureOut">
               <a:rPr lang="zh-CN" altLang="en-US" smtClean="0"/>
-              <a:t>2022/11/23</a:t>
+              <a:t>2024/3/7</a:t>
             </a:fld>
             <a:endParaRPr lang="zh-CN" altLang="en-US"/>
           </a:p>
@@ -21814,7 +21815,7 @@
           <a:p>
             <a:fld id="{E04A3270-C2B4-49EF-999C-6AE0D2734B13}" type="datetimeFigureOut">
               <a:rPr lang="zh-CN" altLang="en-US" smtClean="0"/>
-              <a:t>2022/11/23</a:t>
+              <a:t>2024/3/7</a:t>
             </a:fld>
             <a:endParaRPr lang="zh-CN" altLang="en-US"/>
           </a:p>
@@ -22012,7 +22013,7 @@
           <a:p>
             <a:fld id="{E04A3270-C2B4-49EF-999C-6AE0D2734B13}" type="datetimeFigureOut">
               <a:rPr lang="zh-CN" altLang="en-US" smtClean="0"/>
-              <a:t>2022/11/23</a:t>
+              <a:t>2024/3/7</a:t>
             </a:fld>
             <a:endParaRPr lang="zh-CN" altLang="en-US"/>
           </a:p>
@@ -22287,7 +22288,7 @@
           <a:p>
             <a:fld id="{E04A3270-C2B4-49EF-999C-6AE0D2734B13}" type="datetimeFigureOut">
               <a:rPr lang="zh-CN" altLang="en-US" smtClean="0"/>
-              <a:t>2022/11/23</a:t>
+              <a:t>2024/3/7</a:t>
             </a:fld>
             <a:endParaRPr lang="zh-CN" altLang="en-US"/>
           </a:p>
@@ -22552,7 +22553,7 @@
           <a:p>
             <a:fld id="{E04A3270-C2B4-49EF-999C-6AE0D2734B13}" type="datetimeFigureOut">
               <a:rPr lang="zh-CN" altLang="en-US" smtClean="0"/>
-              <a:t>2022/11/23</a:t>
+              <a:t>2024/3/7</a:t>
             </a:fld>
             <a:endParaRPr lang="zh-CN" altLang="en-US"/>
           </a:p>
@@ -22964,7 +22965,7 @@
           <a:p>
             <a:fld id="{E04A3270-C2B4-49EF-999C-6AE0D2734B13}" type="datetimeFigureOut">
               <a:rPr lang="zh-CN" altLang="en-US" smtClean="0"/>
-              <a:t>2022/11/23</a:t>
+              <a:t>2024/3/7</a:t>
             </a:fld>
             <a:endParaRPr lang="zh-CN" altLang="en-US"/>
           </a:p>
@@ -23105,7 +23106,7 @@
           <a:p>
             <a:fld id="{E04A3270-C2B4-49EF-999C-6AE0D2734B13}" type="datetimeFigureOut">
               <a:rPr lang="zh-CN" altLang="en-US" smtClean="0"/>
-              <a:t>2022/11/23</a:t>
+              <a:t>2024/3/7</a:t>
             </a:fld>
             <a:endParaRPr lang="zh-CN" altLang="en-US"/>
           </a:p>
@@ -23218,7 +23219,7 @@
           <a:p>
             <a:fld id="{E04A3270-C2B4-49EF-999C-6AE0D2734B13}" type="datetimeFigureOut">
               <a:rPr lang="zh-CN" altLang="en-US" smtClean="0"/>
-              <a:t>2022/11/23</a:t>
+              <a:t>2024/3/7</a:t>
             </a:fld>
             <a:endParaRPr lang="zh-CN" altLang="en-US"/>
           </a:p>
@@ -23529,7 +23530,7 @@
           <a:p>
             <a:fld id="{E04A3270-C2B4-49EF-999C-6AE0D2734B13}" type="datetimeFigureOut">
               <a:rPr lang="zh-CN" altLang="en-US" smtClean="0"/>
-              <a:t>2022/11/23</a:t>
+              <a:t>2024/3/7</a:t>
             </a:fld>
             <a:endParaRPr lang="zh-CN" altLang="en-US"/>
           </a:p>
@@ -23817,7 +23818,7 @@
           <a:p>
             <a:fld id="{E04A3270-C2B4-49EF-999C-6AE0D2734B13}" type="datetimeFigureOut">
               <a:rPr lang="zh-CN" altLang="en-US" smtClean="0"/>
-              <a:t>2022/11/23</a:t>
+              <a:t>2024/3/7</a:t>
             </a:fld>
             <a:endParaRPr lang="zh-CN" altLang="en-US"/>
           </a:p>
@@ -24058,7 +24059,7 @@
           <a:p>
             <a:fld id="{E04A3270-C2B4-49EF-999C-6AE0D2734B13}" type="datetimeFigureOut">
               <a:rPr lang="zh-CN" altLang="en-US" smtClean="0"/>
-              <a:t>2022/11/23</a:t>
+              <a:t>2024/3/7</a:t>
             </a:fld>
             <a:endParaRPr lang="zh-CN" altLang="en-US"/>
           </a:p>
@@ -27087,6 +27088,13 @@
                 <a:schemeClr val="lt1"/>
               </a:fontRef>
             </p:style>
+            <p:txBody>
+              <a:bodyPr/>
+              <a:lstStyle/>
+              <a:p>
+                <a:endParaRPr lang="zh-CN" altLang="en-US"/>
+              </a:p>
+            </p:txBody>
           </p:sp>
           <p:sp>
             <p:nvSpPr>
@@ -27498,6 +27506,13 @@
                 <a:schemeClr val="lt1"/>
               </a:fontRef>
             </p:style>
+            <p:txBody>
+              <a:bodyPr/>
+              <a:lstStyle/>
+              <a:p>
+                <a:endParaRPr lang="zh-CN" altLang="en-US"/>
+              </a:p>
+            </p:txBody>
           </p:sp>
           <p:sp>
             <p:nvSpPr>
@@ -28217,6 +28232,725 @@
 </p:sld>
 </file>
 
+<file path=ppt/slides/slide8.xml><?xml version="1.0" encoding="utf-8"?>
+<p:sld xmlns:a="http://schemas.openxmlformats.org/drawingml/2006/main" xmlns:r="http://schemas.openxmlformats.org/officeDocument/2006/relationships" xmlns:p="http://schemas.openxmlformats.org/presentationml/2006/main">
+  <p:cSld>
+    <p:spTree>
+      <p:nvGrpSpPr>
+        <p:cNvPr id="1" name=""/>
+        <p:cNvGrpSpPr/>
+        <p:nvPr/>
+      </p:nvGrpSpPr>
+      <p:grpSpPr>
+        <a:xfrm>
+          <a:off x="0" y="0"/>
+          <a:ext cx="0" cy="0"/>
+          <a:chOff x="0" y="0"/>
+          <a:chExt cx="0" cy="0"/>
+        </a:xfrm>
+      </p:grpSpPr>
+      <p:grpSp>
+        <p:nvGrpSpPr>
+          <p:cNvPr id="41" name="组合 40">
+            <a:extLst>
+              <a:ext uri="{FF2B5EF4-FFF2-40B4-BE49-F238E27FC236}">
+                <a16:creationId xmlns:a16="http://schemas.microsoft.com/office/drawing/2014/main" id="{1087525E-A875-2359-BDD3-A36D41ED2CCF}"/>
+              </a:ext>
+            </a:extLst>
+          </p:cNvPr>
+          <p:cNvGrpSpPr>
+            <a:grpSpLocks noChangeAspect="1"/>
+          </p:cNvGrpSpPr>
+          <p:nvPr/>
+        </p:nvGrpSpPr>
+        <p:grpSpPr>
+          <a:xfrm>
+            <a:off x="669017" y="1516033"/>
+            <a:ext cx="10853966" cy="3825934"/>
+            <a:chOff x="1514715" y="1920239"/>
+            <a:chExt cx="9803885" cy="3455789"/>
+          </a:xfrm>
+        </p:grpSpPr>
+        <p:grpSp>
+          <p:nvGrpSpPr>
+            <p:cNvPr id="38" name="组合 37">
+              <a:extLst>
+                <a:ext uri="{FF2B5EF4-FFF2-40B4-BE49-F238E27FC236}">
+                  <a16:creationId xmlns:a16="http://schemas.microsoft.com/office/drawing/2014/main" id="{B3C9E02B-EA0B-EC02-1ABC-6CF045619B6F}"/>
+                </a:ext>
+              </a:extLst>
+            </p:cNvPr>
+            <p:cNvGrpSpPr/>
+            <p:nvPr/>
+          </p:nvGrpSpPr>
+          <p:grpSpPr>
+            <a:xfrm>
+              <a:off x="3267380" y="1920239"/>
+              <a:ext cx="6343979" cy="3455789"/>
+              <a:chOff x="3267381" y="1920239"/>
+              <a:chExt cx="5922340" cy="3455789"/>
+            </a:xfrm>
+          </p:grpSpPr>
+          <p:sp>
+            <p:nvSpPr>
+              <p:cNvPr id="9" name="矩形 8">
+                <a:extLst>
+                  <a:ext uri="{FF2B5EF4-FFF2-40B4-BE49-F238E27FC236}">
+                    <a16:creationId xmlns:a16="http://schemas.microsoft.com/office/drawing/2014/main" id="{FE03C2C2-C33F-C211-CF00-EDECFAF3894E}"/>
+                  </a:ext>
+                </a:extLst>
+              </p:cNvPr>
+              <p:cNvSpPr/>
+              <p:nvPr/>
+            </p:nvSpPr>
+            <p:spPr>
+              <a:xfrm>
+                <a:off x="3267381" y="1920239"/>
+                <a:ext cx="5922340" cy="3455789"/>
+              </a:xfrm>
+              <a:prstGeom prst="rect">
+                <a:avLst/>
+              </a:prstGeom>
+              <a:solidFill>
+                <a:schemeClr val="tx1">
+                  <a:lumMod val="65000"/>
+                  <a:lumOff val="35000"/>
+                </a:schemeClr>
+              </a:solidFill>
+            </p:spPr>
+            <p:style>
+              <a:lnRef idx="2">
+                <a:schemeClr val="dk1">
+                  <a:shade val="15000"/>
+                </a:schemeClr>
+              </a:lnRef>
+              <a:fillRef idx="1">
+                <a:schemeClr val="dk1"/>
+              </a:fillRef>
+              <a:effectRef idx="0">
+                <a:schemeClr val="dk1"/>
+              </a:effectRef>
+              <a:fontRef idx="minor">
+                <a:schemeClr val="lt1"/>
+              </a:fontRef>
+            </p:style>
+            <p:txBody>
+              <a:bodyPr rtlCol="0" anchor="ctr"/>
+              <a:lstStyle/>
+              <a:p>
+                <a:pPr algn="ctr"/>
+                <a:endParaRPr lang="zh-CN" altLang="en-US"/>
+              </a:p>
+            </p:txBody>
+          </p:sp>
+          <p:sp>
+            <p:nvSpPr>
+              <p:cNvPr id="6" name="矩形: 圆角 5">
+                <a:extLst>
+                  <a:ext uri="{FF2B5EF4-FFF2-40B4-BE49-F238E27FC236}">
+                    <a16:creationId xmlns:a16="http://schemas.microsoft.com/office/drawing/2014/main" id="{5553E997-D22D-47AA-69E3-61F2D3A328EA}"/>
+                  </a:ext>
+                </a:extLst>
+              </p:cNvPr>
+              <p:cNvSpPr/>
+              <p:nvPr/>
+            </p:nvSpPr>
+            <p:spPr>
+              <a:xfrm>
+                <a:off x="3697541" y="2985441"/>
+                <a:ext cx="1307133" cy="1703858"/>
+              </a:xfrm>
+              <a:prstGeom prst="roundRect">
+                <a:avLst/>
+              </a:prstGeom>
+            </p:spPr>
+            <p:style>
+              <a:lnRef idx="2">
+                <a:schemeClr val="accent3">
+                  <a:shade val="15000"/>
+                </a:schemeClr>
+              </a:lnRef>
+              <a:fillRef idx="1">
+                <a:schemeClr val="accent3"/>
+              </a:fillRef>
+              <a:effectRef idx="0">
+                <a:schemeClr val="accent3"/>
+              </a:effectRef>
+              <a:fontRef idx="minor">
+                <a:schemeClr val="lt1"/>
+              </a:fontRef>
+            </p:style>
+            <p:txBody>
+              <a:bodyPr rtlCol="0" anchor="ctr"/>
+              <a:lstStyle/>
+              <a:p>
+                <a:pPr algn="ctr"/>
+                <a:r>
+                  <a:rPr lang="en-US" altLang="zh-CN" dirty="0"/>
+                  <a:t>NLP Translation Model</a:t>
+                </a:r>
+                <a:endParaRPr lang="zh-CN" altLang="en-US" dirty="0"/>
+              </a:p>
+            </p:txBody>
+          </p:sp>
+          <p:sp>
+            <p:nvSpPr>
+              <p:cNvPr id="11" name="矩形: 圆角 10">
+                <a:extLst>
+                  <a:ext uri="{FF2B5EF4-FFF2-40B4-BE49-F238E27FC236}">
+                    <a16:creationId xmlns:a16="http://schemas.microsoft.com/office/drawing/2014/main" id="{EBC083C8-20D9-FA0E-2263-14CDE21D234A}"/>
+                  </a:ext>
+                </a:extLst>
+              </p:cNvPr>
+              <p:cNvSpPr/>
+              <p:nvPr/>
+            </p:nvSpPr>
+            <p:spPr>
+              <a:xfrm>
+                <a:off x="5627251" y="2985440"/>
+                <a:ext cx="1307133" cy="1703858"/>
+              </a:xfrm>
+              <a:prstGeom prst="roundRect">
+                <a:avLst/>
+              </a:prstGeom>
+            </p:spPr>
+            <p:style>
+              <a:lnRef idx="2">
+                <a:schemeClr val="accent3">
+                  <a:shade val="15000"/>
+                </a:schemeClr>
+              </a:lnRef>
+              <a:fillRef idx="1">
+                <a:schemeClr val="accent3"/>
+              </a:fillRef>
+              <a:effectRef idx="0">
+                <a:schemeClr val="accent3"/>
+              </a:effectRef>
+              <a:fontRef idx="minor">
+                <a:schemeClr val="lt1"/>
+              </a:fontRef>
+            </p:style>
+            <p:txBody>
+              <a:bodyPr rtlCol="0" anchor="ctr"/>
+              <a:lstStyle/>
+              <a:p>
+                <a:pPr algn="ctr"/>
+                <a:r>
+                  <a:rPr lang="en-US" altLang="zh-CN" dirty="0"/>
+                  <a:t>Unify format</a:t>
+                </a:r>
+              </a:p>
+            </p:txBody>
+          </p:sp>
+          <p:sp>
+            <p:nvSpPr>
+              <p:cNvPr id="12" name="矩形: 圆角 11">
+                <a:extLst>
+                  <a:ext uri="{FF2B5EF4-FFF2-40B4-BE49-F238E27FC236}">
+                    <a16:creationId xmlns:a16="http://schemas.microsoft.com/office/drawing/2014/main" id="{6A3E31C5-E295-55F0-1E70-C292CEC106EB}"/>
+                  </a:ext>
+                </a:extLst>
+              </p:cNvPr>
+              <p:cNvSpPr/>
+              <p:nvPr/>
+            </p:nvSpPr>
+            <p:spPr>
+              <a:xfrm>
+                <a:off x="7556960" y="3030411"/>
+                <a:ext cx="1307133" cy="1703849"/>
+              </a:xfrm>
+              <a:prstGeom prst="roundRect">
+                <a:avLst/>
+              </a:prstGeom>
+            </p:spPr>
+            <p:style>
+              <a:lnRef idx="2">
+                <a:schemeClr val="accent3">
+                  <a:shade val="15000"/>
+                </a:schemeClr>
+              </a:lnRef>
+              <a:fillRef idx="1">
+                <a:schemeClr val="accent3"/>
+              </a:fillRef>
+              <a:effectRef idx="0">
+                <a:schemeClr val="accent3"/>
+              </a:effectRef>
+              <a:fontRef idx="minor">
+                <a:schemeClr val="lt1"/>
+              </a:fontRef>
+            </p:style>
+            <p:txBody>
+              <a:bodyPr rtlCol="0" anchor="ctr"/>
+              <a:lstStyle/>
+              <a:p>
+                <a:pPr algn="ctr"/>
+                <a:r>
+                  <a:rPr lang="en-US" altLang="zh-CN" dirty="0"/>
+                  <a:t>Drawing Model</a:t>
+                </a:r>
+              </a:p>
+            </p:txBody>
+          </p:sp>
+          <p:cxnSp>
+            <p:nvCxnSpPr>
+              <p:cNvPr id="14" name="直接箭头连接符 13">
+                <a:extLst>
+                  <a:ext uri="{FF2B5EF4-FFF2-40B4-BE49-F238E27FC236}">
+                    <a16:creationId xmlns:a16="http://schemas.microsoft.com/office/drawing/2014/main" id="{33F03CC4-5E02-7354-8AEF-98AA3A77B2C0}"/>
+                  </a:ext>
+                </a:extLst>
+              </p:cNvPr>
+              <p:cNvCxnSpPr>
+                <a:cxnSpLocks/>
+                <a:stCxn id="6" idx="3"/>
+                <a:endCxn id="11" idx="1"/>
+              </p:cNvCxnSpPr>
+              <p:nvPr/>
+            </p:nvCxnSpPr>
+            <p:spPr>
+              <a:xfrm flipV="1">
+                <a:off x="5004674" y="3837369"/>
+                <a:ext cx="622577" cy="1"/>
+              </a:xfrm>
+              <a:prstGeom prst="straightConnector1">
+                <a:avLst/>
+              </a:prstGeom>
+              <a:ln w="38100" cap="flat" cmpd="sng" algn="ctr">
+                <a:solidFill>
+                  <a:schemeClr val="bg1"/>
+                </a:solidFill>
+                <a:prstDash val="solid"/>
+                <a:round/>
+                <a:headEnd type="none" w="med" len="med"/>
+                <a:tailEnd type="arrow" w="med" len="med"/>
+              </a:ln>
+            </p:spPr>
+            <p:style>
+              <a:lnRef idx="0">
+                <a:scrgbClr r="0" g="0" b="0"/>
+              </a:lnRef>
+              <a:fillRef idx="0">
+                <a:scrgbClr r="0" g="0" b="0"/>
+              </a:fillRef>
+              <a:effectRef idx="0">
+                <a:scrgbClr r="0" g="0" b="0"/>
+              </a:effectRef>
+              <a:fontRef idx="minor">
+                <a:schemeClr val="tx1"/>
+              </a:fontRef>
+            </p:style>
+          </p:cxnSp>
+          <p:cxnSp>
+            <p:nvCxnSpPr>
+              <p:cNvPr id="15" name="直接箭头连接符 14">
+                <a:extLst>
+                  <a:ext uri="{FF2B5EF4-FFF2-40B4-BE49-F238E27FC236}">
+                    <a16:creationId xmlns:a16="http://schemas.microsoft.com/office/drawing/2014/main" id="{E45BF0CC-ACFD-8CD7-E2D3-03CC8D3EDA8F}"/>
+                  </a:ext>
+                </a:extLst>
+              </p:cNvPr>
+              <p:cNvCxnSpPr>
+                <a:cxnSpLocks/>
+              </p:cNvCxnSpPr>
+              <p:nvPr/>
+            </p:nvCxnSpPr>
+            <p:spPr>
+              <a:xfrm flipV="1">
+                <a:off x="6934384" y="3829676"/>
+                <a:ext cx="622576" cy="1"/>
+              </a:xfrm>
+              <a:prstGeom prst="straightConnector1">
+                <a:avLst/>
+              </a:prstGeom>
+              <a:ln w="38100" cap="flat" cmpd="sng" algn="ctr">
+                <a:solidFill>
+                  <a:schemeClr val="bg1"/>
+                </a:solidFill>
+                <a:prstDash val="solid"/>
+                <a:round/>
+                <a:headEnd type="none" w="med" len="med"/>
+                <a:tailEnd type="arrow" w="med" len="med"/>
+              </a:ln>
+            </p:spPr>
+            <p:style>
+              <a:lnRef idx="0">
+                <a:scrgbClr r="0" g="0" b="0"/>
+              </a:lnRef>
+              <a:fillRef idx="0">
+                <a:scrgbClr r="0" g="0" b="0"/>
+              </a:fillRef>
+              <a:effectRef idx="0">
+                <a:scrgbClr r="0" g="0" b="0"/>
+              </a:effectRef>
+              <a:fontRef idx="minor">
+                <a:schemeClr val="tx1"/>
+              </a:fontRef>
+            </p:style>
+          </p:cxnSp>
+          <p:cxnSp>
+            <p:nvCxnSpPr>
+              <p:cNvPr id="16" name="直接箭头连接符 15">
+                <a:extLst>
+                  <a:ext uri="{FF2B5EF4-FFF2-40B4-BE49-F238E27FC236}">
+                    <a16:creationId xmlns:a16="http://schemas.microsoft.com/office/drawing/2014/main" id="{D867F211-50FC-5CBC-9D6E-BB4CD93E024C}"/>
+                  </a:ext>
+                </a:extLst>
+              </p:cNvPr>
+              <p:cNvCxnSpPr>
+                <a:cxnSpLocks/>
+              </p:cNvCxnSpPr>
+              <p:nvPr/>
+            </p:nvCxnSpPr>
+            <p:spPr>
+              <a:xfrm>
+                <a:off x="3267381" y="3827157"/>
+                <a:ext cx="430160" cy="0"/>
+              </a:xfrm>
+              <a:prstGeom prst="straightConnector1">
+                <a:avLst/>
+              </a:prstGeom>
+              <a:ln w="38100" cap="flat" cmpd="sng" algn="ctr">
+                <a:solidFill>
+                  <a:schemeClr val="bg1"/>
+                </a:solidFill>
+                <a:prstDash val="solid"/>
+                <a:round/>
+                <a:headEnd type="none" w="med" len="med"/>
+                <a:tailEnd type="arrow" w="med" len="med"/>
+              </a:ln>
+            </p:spPr>
+            <p:style>
+              <a:lnRef idx="0">
+                <a:scrgbClr r="0" g="0" b="0"/>
+              </a:lnRef>
+              <a:fillRef idx="0">
+                <a:scrgbClr r="0" g="0" b="0"/>
+              </a:fillRef>
+              <a:effectRef idx="0">
+                <a:scrgbClr r="0" g="0" b="0"/>
+              </a:effectRef>
+              <a:fontRef idx="minor">
+                <a:schemeClr val="tx1"/>
+              </a:fontRef>
+            </p:style>
+          </p:cxnSp>
+          <p:cxnSp>
+            <p:nvCxnSpPr>
+              <p:cNvPr id="18" name="直接箭头连接符 17">
+                <a:extLst>
+                  <a:ext uri="{FF2B5EF4-FFF2-40B4-BE49-F238E27FC236}">
+                    <a16:creationId xmlns:a16="http://schemas.microsoft.com/office/drawing/2014/main" id="{C7D59931-6797-A420-2889-B8DE593AD04C}"/>
+                  </a:ext>
+                </a:extLst>
+              </p:cNvPr>
+              <p:cNvCxnSpPr>
+                <a:cxnSpLocks/>
+              </p:cNvCxnSpPr>
+              <p:nvPr/>
+            </p:nvCxnSpPr>
+            <p:spPr>
+              <a:xfrm>
+                <a:off x="8864093" y="3804319"/>
+                <a:ext cx="325628" cy="0"/>
+              </a:xfrm>
+              <a:prstGeom prst="straightConnector1">
+                <a:avLst/>
+              </a:prstGeom>
+              <a:ln w="38100">
+                <a:solidFill>
+                  <a:schemeClr val="bg1"/>
+                </a:solidFill>
+                <a:headEnd type="none" w="med" len="med"/>
+                <a:tailEnd type="none" w="med" len="med"/>
+              </a:ln>
+            </p:spPr>
+            <p:style>
+              <a:lnRef idx="2">
+                <a:schemeClr val="dk1"/>
+              </a:lnRef>
+              <a:fillRef idx="0">
+                <a:schemeClr val="dk1"/>
+              </a:fillRef>
+              <a:effectRef idx="1">
+                <a:schemeClr val="dk1"/>
+              </a:effectRef>
+              <a:fontRef idx="minor">
+                <a:schemeClr val="tx1"/>
+              </a:fontRef>
+            </p:style>
+          </p:cxnSp>
+        </p:grpSp>
+        <p:sp>
+          <p:nvSpPr>
+            <p:cNvPr id="22" name="矩形 21">
+              <a:extLst>
+                <a:ext uri="{FF2B5EF4-FFF2-40B4-BE49-F238E27FC236}">
+                  <a16:creationId xmlns:a16="http://schemas.microsoft.com/office/drawing/2014/main" id="{DF0B050B-7407-AB4E-A52E-1CF90BC12AF3}"/>
+                </a:ext>
+              </a:extLst>
+            </p:cNvPr>
+            <p:cNvSpPr/>
+            <p:nvPr/>
+          </p:nvSpPr>
+          <p:spPr>
+            <a:xfrm>
+              <a:off x="1514715" y="3388820"/>
+              <a:ext cx="1282630" cy="830997"/>
+            </a:xfrm>
+            <a:prstGeom prst="rect">
+              <a:avLst/>
+            </a:prstGeom>
+            <a:noFill/>
+            <a:ln w="25400">
+              <a:solidFill>
+                <a:schemeClr val="dk1">
+                  <a:shade val="15000"/>
+                </a:schemeClr>
+              </a:solidFill>
+            </a:ln>
+          </p:spPr>
+          <p:txBody>
+            <a:bodyPr wrap="square" lIns="91440" tIns="45720" rIns="91440" bIns="45720">
+              <a:spAutoFit/>
+            </a:bodyPr>
+            <a:lstStyle/>
+            <a:p>
+              <a:pPr algn="ctr"/>
+              <a:r>
+                <a:rPr lang="en-US" altLang="zh-CN" sz="2400" dirty="0">
+                  <a:ln w="0"/>
+                  <a:effectLst>
+                    <a:outerShdw blurRad="38100" dist="19050" dir="2700000" algn="tl" rotWithShape="0">
+                      <a:schemeClr val="dk1">
+                        <a:alpha val="40000"/>
+                      </a:schemeClr>
+                    </a:outerShdw>
+                  </a:effectLst>
+                </a:rPr>
+                <a:t>Chinese Poetry</a:t>
+              </a:r>
+              <a:endParaRPr lang="zh-CN" altLang="en-US" sz="2400" cap="none" spc="0" dirty="0">
+                <a:ln w="0"/>
+                <a:solidFill>
+                  <a:schemeClr val="tx1"/>
+                </a:solidFill>
+                <a:effectLst>
+                  <a:outerShdw blurRad="38100" dist="19050" dir="2700000" algn="tl" rotWithShape="0">
+                    <a:schemeClr val="dk1">
+                      <a:alpha val="40000"/>
+                    </a:schemeClr>
+                  </a:outerShdw>
+                </a:effectLst>
+              </a:endParaRPr>
+            </a:p>
+          </p:txBody>
+        </p:sp>
+        <p:cxnSp>
+          <p:nvCxnSpPr>
+            <p:cNvPr id="24" name="直接连接符 23">
+              <a:extLst>
+                <a:ext uri="{FF2B5EF4-FFF2-40B4-BE49-F238E27FC236}">
+                  <a16:creationId xmlns:a16="http://schemas.microsoft.com/office/drawing/2014/main" id="{AFFE17FA-2AED-CD63-BF4F-6E3F08C335B5}"/>
+                </a:ext>
+              </a:extLst>
+            </p:cNvPr>
+            <p:cNvCxnSpPr>
+              <a:cxnSpLocks/>
+            </p:cNvCxnSpPr>
+            <p:nvPr/>
+          </p:nvCxnSpPr>
+          <p:spPr>
+            <a:xfrm>
+              <a:off x="2821848" y="3827157"/>
+              <a:ext cx="445533" cy="0"/>
+            </a:xfrm>
+            <a:prstGeom prst="line">
+              <a:avLst/>
+            </a:prstGeom>
+            <a:ln w="38100">
+              <a:solidFill>
+                <a:schemeClr val="tx1"/>
+              </a:solidFill>
+            </a:ln>
+          </p:spPr>
+          <p:style>
+            <a:lnRef idx="1">
+              <a:schemeClr val="accent1"/>
+            </a:lnRef>
+            <a:fillRef idx="0">
+              <a:schemeClr val="accent1"/>
+            </a:fillRef>
+            <a:effectRef idx="0">
+              <a:schemeClr val="accent1"/>
+            </a:effectRef>
+            <a:fontRef idx="minor">
+              <a:schemeClr val="tx1"/>
+            </a:fontRef>
+          </p:style>
+        </p:cxnSp>
+        <p:sp>
+          <p:nvSpPr>
+            <p:cNvPr id="34" name="文本框 33">
+              <a:extLst>
+                <a:ext uri="{FF2B5EF4-FFF2-40B4-BE49-F238E27FC236}">
+                  <a16:creationId xmlns:a16="http://schemas.microsoft.com/office/drawing/2014/main" id="{893CFB8F-662F-5428-0345-4DFFF74A0344}"/>
+                </a:ext>
+              </a:extLst>
+            </p:cNvPr>
+            <p:cNvSpPr txBox="1"/>
+            <p:nvPr/>
+          </p:nvSpPr>
+          <p:spPr>
+            <a:xfrm>
+              <a:off x="3447357" y="2178482"/>
+              <a:ext cx="6096000" cy="523220"/>
+            </a:xfrm>
+            <a:prstGeom prst="rect">
+              <a:avLst/>
+            </a:prstGeom>
+            <a:noFill/>
+          </p:spPr>
+          <p:txBody>
+            <a:bodyPr wrap="square">
+              <a:spAutoFit/>
+            </a:bodyPr>
+            <a:lstStyle/>
+            <a:p>
+              <a:pPr algn="ctr"/>
+              <a:r>
+                <a:rPr lang="en-US" altLang="zh-CN" sz="2800" dirty="0">
+                  <a:solidFill>
+                    <a:schemeClr val="bg1"/>
+                  </a:solidFill>
+                </a:rPr>
+                <a:t>User Interface</a:t>
+              </a:r>
+            </a:p>
+          </p:txBody>
+        </p:sp>
+        <p:sp>
+          <p:nvSpPr>
+            <p:cNvPr id="39" name="矩形 38">
+              <a:extLst>
+                <a:ext uri="{FF2B5EF4-FFF2-40B4-BE49-F238E27FC236}">
+                  <a16:creationId xmlns:a16="http://schemas.microsoft.com/office/drawing/2014/main" id="{032F169A-CDC9-4DB0-2802-E12059F5BE17}"/>
+                </a:ext>
+              </a:extLst>
+            </p:cNvPr>
+            <p:cNvSpPr/>
+            <p:nvPr/>
+          </p:nvSpPr>
+          <p:spPr>
+            <a:xfrm>
+              <a:off x="10035970" y="3411658"/>
+              <a:ext cx="1282630" cy="830997"/>
+            </a:xfrm>
+            <a:prstGeom prst="rect">
+              <a:avLst/>
+            </a:prstGeom>
+            <a:noFill/>
+            <a:ln w="25400">
+              <a:solidFill>
+                <a:schemeClr val="dk1">
+                  <a:shade val="15000"/>
+                </a:schemeClr>
+              </a:solidFill>
+            </a:ln>
+          </p:spPr>
+          <p:txBody>
+            <a:bodyPr wrap="square" lIns="91440" tIns="45720" rIns="91440" bIns="45720">
+              <a:spAutoFit/>
+            </a:bodyPr>
+            <a:lstStyle/>
+            <a:p>
+              <a:pPr algn="ctr"/>
+              <a:r>
+                <a:rPr lang="en-US" altLang="zh-CN" sz="2400" dirty="0">
+                  <a:ln w="0"/>
+                  <a:effectLst>
+                    <a:outerShdw blurRad="38100" dist="19050" dir="2700000" algn="tl" rotWithShape="0">
+                      <a:schemeClr val="dk1">
+                        <a:alpha val="40000"/>
+                      </a:schemeClr>
+                    </a:outerShdw>
+                  </a:effectLst>
+                </a:rPr>
+                <a:t>Image Output</a:t>
+              </a:r>
+              <a:endParaRPr lang="zh-CN" altLang="en-US" sz="2400" cap="none" spc="0" dirty="0">
+                <a:ln w="0"/>
+                <a:solidFill>
+                  <a:schemeClr val="tx1"/>
+                </a:solidFill>
+                <a:effectLst>
+                  <a:outerShdw blurRad="38100" dist="19050" dir="2700000" algn="tl" rotWithShape="0">
+                    <a:schemeClr val="dk1">
+                      <a:alpha val="40000"/>
+                    </a:schemeClr>
+                  </a:outerShdw>
+                </a:effectLst>
+              </a:endParaRPr>
+            </a:p>
+          </p:txBody>
+        </p:sp>
+        <p:cxnSp>
+          <p:nvCxnSpPr>
+            <p:cNvPr id="40" name="直接连接符 39">
+              <a:extLst>
+                <a:ext uri="{FF2B5EF4-FFF2-40B4-BE49-F238E27FC236}">
+                  <a16:creationId xmlns:a16="http://schemas.microsoft.com/office/drawing/2014/main" id="{C3E92427-C59F-20AB-757F-0199864C8936}"/>
+                </a:ext>
+              </a:extLst>
+            </p:cNvPr>
+            <p:cNvCxnSpPr>
+              <a:cxnSpLocks/>
+            </p:cNvCxnSpPr>
+            <p:nvPr/>
+          </p:nvCxnSpPr>
+          <p:spPr>
+            <a:xfrm>
+              <a:off x="9611359" y="3804318"/>
+              <a:ext cx="445533" cy="0"/>
+            </a:xfrm>
+            <a:prstGeom prst="line">
+              <a:avLst/>
+            </a:prstGeom>
+            <a:ln w="38100">
+              <a:solidFill>
+                <a:schemeClr val="tx1"/>
+              </a:solidFill>
+              <a:tailEnd type="triangle"/>
+            </a:ln>
+          </p:spPr>
+          <p:style>
+            <a:lnRef idx="1">
+              <a:schemeClr val="accent1"/>
+            </a:lnRef>
+            <a:fillRef idx="0">
+              <a:schemeClr val="accent1"/>
+            </a:fillRef>
+            <a:effectRef idx="0">
+              <a:schemeClr val="accent1"/>
+            </a:effectRef>
+            <a:fontRef idx="minor">
+              <a:schemeClr val="tx1"/>
+            </a:fontRef>
+          </p:style>
+        </p:cxnSp>
+      </p:grpSp>
+    </p:spTree>
+    <p:extLst>
+      <p:ext uri="{BB962C8B-B14F-4D97-AF65-F5344CB8AC3E}">
+        <p14:creationId xmlns:p14="http://schemas.microsoft.com/office/powerpoint/2010/main" val="1154642257"/>
+      </p:ext>
+    </p:extLst>
+  </p:cSld>
+  <p:clrMapOvr>
+    <a:masterClrMapping/>
+  </p:clrMapOvr>
+</p:sld>
+</file>
+
 <file path=ppt/theme/theme1.xml><?xml version="1.0" encoding="utf-8"?>
 <a:theme xmlns:a="http://schemas.openxmlformats.org/drawingml/2006/main" name="Office 主题​​">
   <a:themeElements>
